--- a/lectures/05Recursion/TheCallStackTail.pptx
+++ b/lectures/05Recursion/TheCallStackTail.pptx
@@ -2,7 +2,7 @@
 <file path=ppt/presentation.xml><?xml version="1.0" encoding="utf-8"?>
 <p:presentation xmlns:a="http://schemas.openxmlformats.org/drawingml/2006/main" xmlns:r="http://schemas.openxmlformats.org/officeDocument/2006/relationships" xmlns:p="http://schemas.openxmlformats.org/presentationml/2006/main" saveSubsetFonts="1" autoCompressPictures="0">
   <p:sldMasterIdLst>
-    <p:sldMasterId id="2147483756" r:id="rId1"/>
+    <p:sldMasterId id="2147483768" r:id="rId1"/>
   </p:sldMasterIdLst>
   <p:notesMasterIdLst>
     <p:notesMasterId r:id="rId3"/>
@@ -10,7 +10,7 @@
   <p:sldIdLst>
     <p:sldId id="256" r:id="rId2"/>
   </p:sldIdLst>
-  <p:sldSz cx="12599988" cy="3887788"/>
+  <p:sldSz cx="10799763" cy="3887788"/>
   <p:notesSz cx="6858000" cy="9144000"/>
   <p:defaultTextStyle>
     <a:defPPr>
@@ -197,7 +197,7 @@
           <a:p>
             <a:fld id="{DF84B872-EF0F-4A43-8C9A-6DE1EE8DA60C}" type="datetimeFigureOut">
               <a:rPr lang="en-US" smtClean="0"/>
-              <a:t>9/27/22</a:t>
+              <a:t>9/28/22</a:t>
             </a:fld>
             <a:endParaRPr lang="en-US"/>
           </a:p>
@@ -215,8 +215,8 @@
         </p:nvSpPr>
         <p:spPr>
           <a:xfrm>
-            <a:off x="-1571625" y="1143000"/>
-            <a:ext cx="10001250" cy="3086100"/>
+            <a:off x="-857250" y="1143000"/>
+            <a:ext cx="8572500" cy="3086100"/>
           </a:xfrm>
           <a:prstGeom prst="rect">
             <a:avLst/>
@@ -493,8 +493,8 @@
         </p:nvSpPr>
         <p:spPr>
           <a:xfrm>
-            <a:off x="-1571625" y="1143000"/>
-            <a:ext cx="10001250" cy="3086100"/>
+            <a:off x="-857250" y="1143000"/>
+            <a:ext cx="8572500" cy="3086100"/>
           </a:xfrm>
         </p:spPr>
       </p:sp>
@@ -582,8 +582,8 @@
         </p:nvSpPr>
         <p:spPr>
           <a:xfrm>
-            <a:off x="1574999" y="636266"/>
-            <a:ext cx="9449991" cy="1353526"/>
+            <a:off x="1349971" y="636266"/>
+            <a:ext cx="8099822" cy="1353526"/>
           </a:xfrm>
         </p:spPr>
         <p:txBody>
@@ -614,8 +614,8 @@
         </p:nvSpPr>
         <p:spPr>
           <a:xfrm>
-            <a:off x="1574999" y="2041989"/>
-            <a:ext cx="9449991" cy="938649"/>
+            <a:off x="1349971" y="2041989"/>
+            <a:ext cx="8099822" cy="938649"/>
           </a:xfrm>
         </p:spPr>
         <p:txBody>
@@ -684,7 +684,7 @@
           <a:p>
             <a:fld id="{CC87D76F-8BD5-6C40-BE21-BE1B3B655646}" type="datetimeFigureOut">
               <a:rPr lang="en-US" smtClean="0"/>
-              <a:t>9/27/22</a:t>
+              <a:t>9/28/22</a:t>
             </a:fld>
             <a:endParaRPr lang="en-US"/>
           </a:p>
@@ -735,7 +735,7 @@
     </p:spTree>
     <p:extLst>
       <p:ext uri="{BB962C8B-B14F-4D97-AF65-F5344CB8AC3E}">
-        <p14:creationId xmlns:p14="http://schemas.microsoft.com/office/powerpoint/2010/main" val="1587005679"/>
+        <p14:creationId xmlns:p14="http://schemas.microsoft.com/office/powerpoint/2010/main" val="4215083697"/>
       </p:ext>
     </p:extLst>
   </p:cSld>
@@ -854,7 +854,7 @@
           <a:p>
             <a:fld id="{CC87D76F-8BD5-6C40-BE21-BE1B3B655646}" type="datetimeFigureOut">
               <a:rPr lang="en-US" smtClean="0"/>
-              <a:t>9/27/22</a:t>
+              <a:t>9/28/22</a:t>
             </a:fld>
             <a:endParaRPr lang="en-US"/>
           </a:p>
@@ -905,7 +905,7 @@
     </p:spTree>
     <p:extLst>
       <p:ext uri="{BB962C8B-B14F-4D97-AF65-F5344CB8AC3E}">
-        <p14:creationId xmlns:p14="http://schemas.microsoft.com/office/powerpoint/2010/main" val="689234393"/>
+        <p14:creationId xmlns:p14="http://schemas.microsoft.com/office/powerpoint/2010/main" val="1579016450"/>
       </p:ext>
     </p:extLst>
   </p:cSld>
@@ -944,8 +944,8 @@
         </p:nvSpPr>
         <p:spPr>
           <a:xfrm>
-            <a:off x="9016867" y="206989"/>
-            <a:ext cx="2716872" cy="3294721"/>
+            <a:off x="7728580" y="206989"/>
+            <a:ext cx="2328699" cy="3294721"/>
           </a:xfrm>
         </p:spPr>
         <p:txBody>
@@ -972,8 +972,8 @@
         </p:nvSpPr>
         <p:spPr>
           <a:xfrm>
-            <a:off x="866249" y="206989"/>
-            <a:ext cx="7993117" cy="3294721"/>
+            <a:off x="742484" y="206989"/>
+            <a:ext cx="6851100" cy="3294721"/>
           </a:xfrm>
         </p:spPr>
         <p:txBody>
@@ -1034,7 +1034,7 @@
           <a:p>
             <a:fld id="{CC87D76F-8BD5-6C40-BE21-BE1B3B655646}" type="datetimeFigureOut">
               <a:rPr lang="en-US" smtClean="0"/>
-              <a:t>9/27/22</a:t>
+              <a:t>9/28/22</a:t>
             </a:fld>
             <a:endParaRPr lang="en-US"/>
           </a:p>
@@ -1085,7 +1085,7 @@
     </p:spTree>
     <p:extLst>
       <p:ext uri="{BB962C8B-B14F-4D97-AF65-F5344CB8AC3E}">
-        <p14:creationId xmlns:p14="http://schemas.microsoft.com/office/powerpoint/2010/main" val="2477835420"/>
+        <p14:creationId xmlns:p14="http://schemas.microsoft.com/office/powerpoint/2010/main" val="223129587"/>
       </p:ext>
     </p:extLst>
   </p:cSld>
@@ -1204,7 +1204,7 @@
           <a:p>
             <a:fld id="{CC87D76F-8BD5-6C40-BE21-BE1B3B655646}" type="datetimeFigureOut">
               <a:rPr lang="en-US" smtClean="0"/>
-              <a:t>9/27/22</a:t>
+              <a:t>9/28/22</a:t>
             </a:fld>
             <a:endParaRPr lang="en-US"/>
           </a:p>
@@ -1255,7 +1255,7 @@
     </p:spTree>
     <p:extLst>
       <p:ext uri="{BB962C8B-B14F-4D97-AF65-F5344CB8AC3E}">
-        <p14:creationId xmlns:p14="http://schemas.microsoft.com/office/powerpoint/2010/main" val="3477170108"/>
+        <p14:creationId xmlns:p14="http://schemas.microsoft.com/office/powerpoint/2010/main" val="1616178647"/>
       </p:ext>
     </p:extLst>
   </p:cSld>
@@ -1294,8 +1294,8 @@
         </p:nvSpPr>
         <p:spPr>
           <a:xfrm>
-            <a:off x="859687" y="969247"/>
-            <a:ext cx="10867490" cy="1617212"/>
+            <a:off x="736859" y="969247"/>
+            <a:ext cx="9314796" cy="1617212"/>
           </a:xfrm>
         </p:spPr>
         <p:txBody>
@@ -1326,8 +1326,8 @@
         </p:nvSpPr>
         <p:spPr>
           <a:xfrm>
-            <a:off x="859687" y="2601759"/>
-            <a:ext cx="10867490" cy="850453"/>
+            <a:off x="736859" y="2601759"/>
+            <a:ext cx="9314796" cy="850453"/>
           </a:xfrm>
         </p:spPr>
         <p:txBody>
@@ -1450,7 +1450,7 @@
           <a:p>
             <a:fld id="{CC87D76F-8BD5-6C40-BE21-BE1B3B655646}" type="datetimeFigureOut">
               <a:rPr lang="en-US" smtClean="0"/>
-              <a:t>9/27/22</a:t>
+              <a:t>9/28/22</a:t>
             </a:fld>
             <a:endParaRPr lang="en-US"/>
           </a:p>
@@ -1501,7 +1501,7 @@
     </p:spTree>
     <p:extLst>
       <p:ext uri="{BB962C8B-B14F-4D97-AF65-F5344CB8AC3E}">
-        <p14:creationId xmlns:p14="http://schemas.microsoft.com/office/powerpoint/2010/main" val="1150213052"/>
+        <p14:creationId xmlns:p14="http://schemas.microsoft.com/office/powerpoint/2010/main" val="2682722441"/>
       </p:ext>
     </p:extLst>
   </p:cSld>
@@ -1563,8 +1563,8 @@
         </p:nvSpPr>
         <p:spPr>
           <a:xfrm>
-            <a:off x="866249" y="1034943"/>
-            <a:ext cx="5354995" cy="2466766"/>
+            <a:off x="742484" y="1034943"/>
+            <a:ext cx="4589899" cy="2466766"/>
           </a:xfrm>
         </p:spPr>
         <p:txBody>
@@ -1620,8 +1620,8 @@
         </p:nvSpPr>
         <p:spPr>
           <a:xfrm>
-            <a:off x="6378744" y="1034943"/>
-            <a:ext cx="5354995" cy="2466766"/>
+            <a:off x="5467380" y="1034943"/>
+            <a:ext cx="4589899" cy="2466766"/>
           </a:xfrm>
         </p:spPr>
         <p:txBody>
@@ -1682,7 +1682,7 @@
           <a:p>
             <a:fld id="{CC87D76F-8BD5-6C40-BE21-BE1B3B655646}" type="datetimeFigureOut">
               <a:rPr lang="en-US" smtClean="0"/>
-              <a:t>9/27/22</a:t>
+              <a:t>9/28/22</a:t>
             </a:fld>
             <a:endParaRPr lang="en-US"/>
           </a:p>
@@ -1733,7 +1733,7 @@
     </p:spTree>
     <p:extLst>
       <p:ext uri="{BB962C8B-B14F-4D97-AF65-F5344CB8AC3E}">
-        <p14:creationId xmlns:p14="http://schemas.microsoft.com/office/powerpoint/2010/main" val="474013165"/>
+        <p14:creationId xmlns:p14="http://schemas.microsoft.com/office/powerpoint/2010/main" val="914854755"/>
       </p:ext>
     </p:extLst>
   </p:cSld>
@@ -1772,8 +1772,8 @@
         </p:nvSpPr>
         <p:spPr>
           <a:xfrm>
-            <a:off x="867890" y="206989"/>
-            <a:ext cx="10867490" cy="751459"/>
+            <a:off x="743890" y="206989"/>
+            <a:ext cx="9314796" cy="751459"/>
           </a:xfrm>
         </p:spPr>
         <p:txBody>
@@ -1800,8 +1800,8 @@
         </p:nvSpPr>
         <p:spPr>
           <a:xfrm>
-            <a:off x="867891" y="953048"/>
-            <a:ext cx="5330385" cy="467074"/>
+            <a:off x="743891" y="953048"/>
+            <a:ext cx="4568806" cy="467074"/>
           </a:xfrm>
         </p:spPr>
         <p:txBody>
@@ -1865,8 +1865,8 @@
         </p:nvSpPr>
         <p:spPr>
           <a:xfrm>
-            <a:off x="867891" y="1420123"/>
-            <a:ext cx="5330385" cy="2088786"/>
+            <a:off x="743891" y="1420123"/>
+            <a:ext cx="4568806" cy="2088786"/>
           </a:xfrm>
         </p:spPr>
         <p:txBody>
@@ -1922,8 +1922,8 @@
         </p:nvSpPr>
         <p:spPr>
           <a:xfrm>
-            <a:off x="6378744" y="953048"/>
-            <a:ext cx="5356636" cy="467074"/>
+            <a:off x="5467380" y="953048"/>
+            <a:ext cx="4591306" cy="467074"/>
           </a:xfrm>
         </p:spPr>
         <p:txBody>
@@ -1987,8 +1987,8 @@
         </p:nvSpPr>
         <p:spPr>
           <a:xfrm>
-            <a:off x="6378744" y="1420123"/>
-            <a:ext cx="5356636" cy="2088786"/>
+            <a:off x="5467380" y="1420123"/>
+            <a:ext cx="4591306" cy="2088786"/>
           </a:xfrm>
         </p:spPr>
         <p:txBody>
@@ -2049,7 +2049,7 @@
           <a:p>
             <a:fld id="{CC87D76F-8BD5-6C40-BE21-BE1B3B655646}" type="datetimeFigureOut">
               <a:rPr lang="en-US" smtClean="0"/>
-              <a:t>9/27/22</a:t>
+              <a:t>9/28/22</a:t>
             </a:fld>
             <a:endParaRPr lang="en-US"/>
           </a:p>
@@ -2100,7 +2100,7 @@
     </p:spTree>
     <p:extLst>
       <p:ext uri="{BB962C8B-B14F-4D97-AF65-F5344CB8AC3E}">
-        <p14:creationId xmlns:p14="http://schemas.microsoft.com/office/powerpoint/2010/main" val="793388179"/>
+        <p14:creationId xmlns:p14="http://schemas.microsoft.com/office/powerpoint/2010/main" val="2913163259"/>
       </p:ext>
     </p:extLst>
   </p:cSld>
@@ -2167,7 +2167,7 @@
           <a:p>
             <a:fld id="{CC87D76F-8BD5-6C40-BE21-BE1B3B655646}" type="datetimeFigureOut">
               <a:rPr lang="en-US" smtClean="0"/>
-              <a:t>9/27/22</a:t>
+              <a:t>9/28/22</a:t>
             </a:fld>
             <a:endParaRPr lang="en-US"/>
           </a:p>
@@ -2218,7 +2218,7 @@
     </p:spTree>
     <p:extLst>
       <p:ext uri="{BB962C8B-B14F-4D97-AF65-F5344CB8AC3E}">
-        <p14:creationId xmlns:p14="http://schemas.microsoft.com/office/powerpoint/2010/main" val="1184327077"/>
+        <p14:creationId xmlns:p14="http://schemas.microsoft.com/office/powerpoint/2010/main" val="1988272975"/>
       </p:ext>
     </p:extLst>
   </p:cSld>
@@ -2262,7 +2262,7 @@
           <a:p>
             <a:fld id="{CC87D76F-8BD5-6C40-BE21-BE1B3B655646}" type="datetimeFigureOut">
               <a:rPr lang="en-US" smtClean="0"/>
-              <a:t>9/27/22</a:t>
+              <a:t>9/28/22</a:t>
             </a:fld>
             <a:endParaRPr lang="en-US"/>
           </a:p>
@@ -2313,7 +2313,7 @@
     </p:spTree>
     <p:extLst>
       <p:ext uri="{BB962C8B-B14F-4D97-AF65-F5344CB8AC3E}">
-        <p14:creationId xmlns:p14="http://schemas.microsoft.com/office/powerpoint/2010/main" val="514914998"/>
+        <p14:creationId xmlns:p14="http://schemas.microsoft.com/office/powerpoint/2010/main" val="1143648705"/>
       </p:ext>
     </p:extLst>
   </p:cSld>
@@ -2352,8 +2352,8 @@
         </p:nvSpPr>
         <p:spPr>
           <a:xfrm>
-            <a:off x="867891" y="259186"/>
-            <a:ext cx="4063824" cy="907151"/>
+            <a:off x="743891" y="259186"/>
+            <a:ext cx="3483204" cy="907151"/>
           </a:xfrm>
         </p:spPr>
         <p:txBody>
@@ -2384,8 +2384,8 @@
         </p:nvSpPr>
         <p:spPr>
           <a:xfrm>
-            <a:off x="5356636" y="559770"/>
-            <a:ext cx="6378744" cy="2762849"/>
+            <a:off x="4591306" y="559770"/>
+            <a:ext cx="5467380" cy="2762849"/>
           </a:xfrm>
         </p:spPr>
         <p:txBody>
@@ -2469,8 +2469,8 @@
         </p:nvSpPr>
         <p:spPr>
           <a:xfrm>
-            <a:off x="867891" y="1166337"/>
-            <a:ext cx="4063824" cy="2160782"/>
+            <a:off x="743891" y="1166337"/>
+            <a:ext cx="3483204" cy="2160782"/>
           </a:xfrm>
         </p:spPr>
         <p:txBody>
@@ -2539,7 +2539,7 @@
           <a:p>
             <a:fld id="{CC87D76F-8BD5-6C40-BE21-BE1B3B655646}" type="datetimeFigureOut">
               <a:rPr lang="en-US" smtClean="0"/>
-              <a:t>9/27/22</a:t>
+              <a:t>9/28/22</a:t>
             </a:fld>
             <a:endParaRPr lang="en-US"/>
           </a:p>
@@ -2590,7 +2590,7 @@
     </p:spTree>
     <p:extLst>
       <p:ext uri="{BB962C8B-B14F-4D97-AF65-F5344CB8AC3E}">
-        <p14:creationId xmlns:p14="http://schemas.microsoft.com/office/powerpoint/2010/main" val="3005838276"/>
+        <p14:creationId xmlns:p14="http://schemas.microsoft.com/office/powerpoint/2010/main" val="2507481733"/>
       </p:ext>
     </p:extLst>
   </p:cSld>
@@ -2629,8 +2629,8 @@
         </p:nvSpPr>
         <p:spPr>
           <a:xfrm>
-            <a:off x="867891" y="259186"/>
-            <a:ext cx="4063824" cy="907151"/>
+            <a:off x="743891" y="259186"/>
+            <a:ext cx="3483204" cy="907151"/>
           </a:xfrm>
         </p:spPr>
         <p:txBody>
@@ -2661,8 +2661,8 @@
         </p:nvSpPr>
         <p:spPr>
           <a:xfrm>
-            <a:off x="5356636" y="559770"/>
-            <a:ext cx="6378744" cy="2762849"/>
+            <a:off x="4591306" y="559770"/>
+            <a:ext cx="5467380" cy="2762849"/>
           </a:xfrm>
         </p:spPr>
         <p:txBody>
@@ -2726,8 +2726,8 @@
         </p:nvSpPr>
         <p:spPr>
           <a:xfrm>
-            <a:off x="867891" y="1166337"/>
-            <a:ext cx="4063824" cy="2160782"/>
+            <a:off x="743891" y="1166337"/>
+            <a:ext cx="3483204" cy="2160782"/>
           </a:xfrm>
         </p:spPr>
         <p:txBody>
@@ -2796,7 +2796,7 @@
           <a:p>
             <a:fld id="{CC87D76F-8BD5-6C40-BE21-BE1B3B655646}" type="datetimeFigureOut">
               <a:rPr lang="en-US" smtClean="0"/>
-              <a:t>9/27/22</a:t>
+              <a:t>9/28/22</a:t>
             </a:fld>
             <a:endParaRPr lang="en-US"/>
           </a:p>
@@ -2847,7 +2847,7 @@
     </p:spTree>
     <p:extLst>
       <p:ext uri="{BB962C8B-B14F-4D97-AF65-F5344CB8AC3E}">
-        <p14:creationId xmlns:p14="http://schemas.microsoft.com/office/powerpoint/2010/main" val="2164793062"/>
+        <p14:creationId xmlns:p14="http://schemas.microsoft.com/office/powerpoint/2010/main" val="1633777753"/>
       </p:ext>
     </p:extLst>
   </p:cSld>
@@ -2891,8 +2891,8 @@
         </p:nvSpPr>
         <p:spPr>
           <a:xfrm>
-            <a:off x="866249" y="206989"/>
-            <a:ext cx="10867490" cy="751459"/>
+            <a:off x="742484" y="206989"/>
+            <a:ext cx="9314796" cy="751459"/>
           </a:xfrm>
           <a:prstGeom prst="rect">
             <a:avLst/>
@@ -2924,8 +2924,8 @@
         </p:nvSpPr>
         <p:spPr>
           <a:xfrm>
-            <a:off x="866249" y="1034943"/>
-            <a:ext cx="10867490" cy="2466766"/>
+            <a:off x="742484" y="1034943"/>
+            <a:ext cx="9314796" cy="2466766"/>
           </a:xfrm>
           <a:prstGeom prst="rect">
             <a:avLst/>
@@ -2986,8 +2986,8 @@
         </p:nvSpPr>
         <p:spPr>
           <a:xfrm>
-            <a:off x="866249" y="3603404"/>
-            <a:ext cx="2834997" cy="206989"/>
+            <a:off x="742484" y="3603404"/>
+            <a:ext cx="2429947" cy="206989"/>
           </a:xfrm>
           <a:prstGeom prst="rect">
             <a:avLst/>
@@ -3009,7 +3009,7 @@
           <a:p>
             <a:fld id="{CC87D76F-8BD5-6C40-BE21-BE1B3B655646}" type="datetimeFigureOut">
               <a:rPr lang="en-US" smtClean="0"/>
-              <a:t>9/27/22</a:t>
+              <a:t>9/28/22</a:t>
             </a:fld>
             <a:endParaRPr lang="en-US"/>
           </a:p>
@@ -3027,8 +3027,8 @@
         </p:nvSpPr>
         <p:spPr>
           <a:xfrm>
-            <a:off x="4173746" y="3603404"/>
-            <a:ext cx="4252496" cy="206989"/>
+            <a:off x="3577422" y="3603404"/>
+            <a:ext cx="3644920" cy="206989"/>
           </a:xfrm>
           <a:prstGeom prst="rect">
             <a:avLst/>
@@ -3064,8 +3064,8 @@
         </p:nvSpPr>
         <p:spPr>
           <a:xfrm>
-            <a:off x="8898742" y="3603404"/>
-            <a:ext cx="2834997" cy="206989"/>
+            <a:off x="7627332" y="3603404"/>
+            <a:ext cx="2429947" cy="206989"/>
           </a:xfrm>
           <a:prstGeom prst="rect">
             <a:avLst/>
@@ -3096,23 +3096,23 @@
     </p:spTree>
     <p:extLst>
       <p:ext uri="{BB962C8B-B14F-4D97-AF65-F5344CB8AC3E}">
-        <p14:creationId xmlns:p14="http://schemas.microsoft.com/office/powerpoint/2010/main" val="3869450106"/>
+        <p14:creationId xmlns:p14="http://schemas.microsoft.com/office/powerpoint/2010/main" val="147011908"/>
       </p:ext>
     </p:extLst>
   </p:cSld>
   <p:clrMap bg1="lt1" tx1="dk1" bg2="lt2" tx2="dk2" accent1="accent1" accent2="accent2" accent3="accent3" accent4="accent4" accent5="accent5" accent6="accent6" hlink="hlink" folHlink="folHlink"/>
   <p:sldLayoutIdLst>
-    <p:sldLayoutId id="2147483757" r:id="rId1"/>
-    <p:sldLayoutId id="2147483758" r:id="rId2"/>
-    <p:sldLayoutId id="2147483759" r:id="rId3"/>
-    <p:sldLayoutId id="2147483760" r:id="rId4"/>
-    <p:sldLayoutId id="2147483761" r:id="rId5"/>
-    <p:sldLayoutId id="2147483762" r:id="rId6"/>
-    <p:sldLayoutId id="2147483763" r:id="rId7"/>
-    <p:sldLayoutId id="2147483764" r:id="rId8"/>
-    <p:sldLayoutId id="2147483765" r:id="rId9"/>
-    <p:sldLayoutId id="2147483766" r:id="rId10"/>
-    <p:sldLayoutId id="2147483767" r:id="rId11"/>
+    <p:sldLayoutId id="2147483769" r:id="rId1"/>
+    <p:sldLayoutId id="2147483770" r:id="rId2"/>
+    <p:sldLayoutId id="2147483771" r:id="rId3"/>
+    <p:sldLayoutId id="2147483772" r:id="rId4"/>
+    <p:sldLayoutId id="2147483773" r:id="rId5"/>
+    <p:sldLayoutId id="2147483774" r:id="rId6"/>
+    <p:sldLayoutId id="2147483775" r:id="rId7"/>
+    <p:sldLayoutId id="2147483776" r:id="rId8"/>
+    <p:sldLayoutId id="2147483777" r:id="rId9"/>
+    <p:sldLayoutId id="2147483778" r:id="rId10"/>
+    <p:sldLayoutId id="2147483779" r:id="rId11"/>
   </p:sldLayoutIdLst>
   <p:txStyles>
     <p:titleStyle>
@@ -3422,7 +3422,7 @@
         </p:nvSpPr>
         <p:spPr>
           <a:xfrm>
-            <a:off x="271925" y="2580243"/>
+            <a:off x="557680" y="2574000"/>
             <a:ext cx="1891942" cy="1067072"/>
           </a:xfrm>
           <a:prstGeom prst="flowChartDocument">
@@ -3463,7 +3463,7 @@
           <a:lstStyle/>
           <a:p>
             <a:pPr algn="ctr"/>
-            <a:endParaRPr lang="en-US" sz="1600"/>
+            <a:endParaRPr lang="en-US" sz="1500" dirty="0"/>
           </a:p>
         </p:txBody>
       </p:sp>
@@ -3475,7 +3475,7 @@
         </p:nvSpPr>
         <p:spPr>
           <a:xfrm>
-            <a:off x="272183" y="1795413"/>
+            <a:off x="557938" y="1800000"/>
             <a:ext cx="1891942" cy="784830"/>
           </a:xfrm>
           <a:prstGeom prst="rect">
@@ -3498,7 +3498,7 @@
           <a:p>
             <a:r>
               <a:rPr lang="en-US" sz="1500" dirty="0"/>
-              <a:t>sum 0 5 = sum (0+5) 4</a:t>
+              <a:t>sum 0 2 = sum (0+2) 1</a:t>
             </a:r>
           </a:p>
           <a:p>
@@ -3515,186 +3515,6 @@
           </a:p>
         </p:txBody>
       </p:sp>
-      <p:grpSp>
-        <p:nvGrpSpPr>
-          <p:cNvPr id="109" name="Group 108"/>
-          <p:cNvGrpSpPr/>
-          <p:nvPr/>
-        </p:nvGrpSpPr>
-        <p:grpSpPr>
-          <a:xfrm>
-            <a:off x="6143650" y="2153267"/>
-            <a:ext cx="308789" cy="72000"/>
-            <a:chOff x="696559" y="6394294"/>
-            <a:chExt cx="270307" cy="72000"/>
-          </a:xfrm>
-        </p:grpSpPr>
-        <p:sp>
-          <p:nvSpPr>
-            <p:cNvPr id="110" name="Oval 109"/>
-            <p:cNvSpPr>
-              <a:spLocks noChangeAspect="1"/>
-            </p:cNvSpPr>
-            <p:nvPr/>
-          </p:nvSpPr>
-          <p:spPr>
-            <a:xfrm>
-              <a:off x="696559" y="6394294"/>
-              <a:ext cx="77666" cy="72000"/>
-            </a:xfrm>
-            <a:prstGeom prst="ellipse">
-              <a:avLst/>
-            </a:prstGeom>
-            <a:solidFill>
-              <a:srgbClr val="F2F2F2"/>
-            </a:solidFill>
-            <a:ln>
-              <a:solidFill>
-                <a:schemeClr val="tx1"/>
-              </a:solidFill>
-            </a:ln>
-          </p:spPr>
-          <p:style>
-            <a:lnRef idx="2">
-              <a:schemeClr val="accent1">
-                <a:shade val="50000"/>
-              </a:schemeClr>
-            </a:lnRef>
-            <a:fillRef idx="1">
-              <a:schemeClr val="accent1"/>
-            </a:fillRef>
-            <a:effectRef idx="0">
-              <a:schemeClr val="accent1"/>
-            </a:effectRef>
-            <a:fontRef idx="minor">
-              <a:schemeClr val="lt1"/>
-            </a:fontRef>
-          </p:style>
-          <p:txBody>
-            <a:bodyPr rot="0" spcFirstLastPara="0" vertOverflow="overflow" horzOverflow="overflow" vert="horz" wrap="square" lIns="91440" tIns="45720" rIns="91440" bIns="45720" numCol="1" spcCol="0" rtlCol="0" fromWordArt="0" anchor="ctr" anchorCtr="0" forceAA="0" compatLnSpc="1">
-              <a:prstTxWarp prst="textNoShape">
-                <a:avLst/>
-              </a:prstTxWarp>
-              <a:noAutofit/>
-            </a:bodyPr>
-            <a:lstStyle/>
-            <a:p>
-              <a:pPr algn="ctr"/>
-              <a:endParaRPr lang="en-US"/>
-            </a:p>
-          </p:txBody>
-        </p:sp>
-        <p:sp>
-          <p:nvSpPr>
-            <p:cNvPr id="111" name="Oval 110"/>
-            <p:cNvSpPr>
-              <a:spLocks noChangeAspect="1"/>
-            </p:cNvSpPr>
-            <p:nvPr/>
-          </p:nvSpPr>
-          <p:spPr>
-            <a:xfrm>
-              <a:off x="792000" y="6394294"/>
-              <a:ext cx="77666" cy="72000"/>
-            </a:xfrm>
-            <a:prstGeom prst="ellipse">
-              <a:avLst/>
-            </a:prstGeom>
-            <a:solidFill>
-              <a:srgbClr val="F2F2F2"/>
-            </a:solidFill>
-            <a:ln>
-              <a:solidFill>
-                <a:schemeClr val="tx1"/>
-              </a:solidFill>
-            </a:ln>
-          </p:spPr>
-          <p:style>
-            <a:lnRef idx="2">
-              <a:schemeClr val="accent1">
-                <a:shade val="50000"/>
-              </a:schemeClr>
-            </a:lnRef>
-            <a:fillRef idx="1">
-              <a:schemeClr val="accent1"/>
-            </a:fillRef>
-            <a:effectRef idx="0">
-              <a:schemeClr val="accent1"/>
-            </a:effectRef>
-            <a:fontRef idx="minor">
-              <a:schemeClr val="lt1"/>
-            </a:fontRef>
-          </p:style>
-          <p:txBody>
-            <a:bodyPr rot="0" spcFirstLastPara="0" vertOverflow="overflow" horzOverflow="overflow" vert="horz" wrap="square" lIns="91440" tIns="45720" rIns="91440" bIns="45720" numCol="1" spcCol="0" rtlCol="0" fromWordArt="0" anchor="ctr" anchorCtr="0" forceAA="0" compatLnSpc="1">
-              <a:prstTxWarp prst="textNoShape">
-                <a:avLst/>
-              </a:prstTxWarp>
-              <a:noAutofit/>
-            </a:bodyPr>
-            <a:lstStyle/>
-            <a:p>
-              <a:pPr algn="ctr"/>
-              <a:endParaRPr lang="en-US"/>
-            </a:p>
-          </p:txBody>
-        </p:sp>
-        <p:sp>
-          <p:nvSpPr>
-            <p:cNvPr id="112" name="Oval 111"/>
-            <p:cNvSpPr>
-              <a:spLocks noChangeAspect="1"/>
-            </p:cNvSpPr>
-            <p:nvPr/>
-          </p:nvSpPr>
-          <p:spPr>
-            <a:xfrm>
-              <a:off x="889200" y="6394294"/>
-              <a:ext cx="77666" cy="72000"/>
-            </a:xfrm>
-            <a:prstGeom prst="ellipse">
-              <a:avLst/>
-            </a:prstGeom>
-            <a:solidFill>
-              <a:srgbClr val="F2F2F2"/>
-            </a:solidFill>
-            <a:ln>
-              <a:solidFill>
-                <a:schemeClr val="tx1"/>
-              </a:solidFill>
-            </a:ln>
-          </p:spPr>
-          <p:style>
-            <a:lnRef idx="2">
-              <a:schemeClr val="accent1">
-                <a:shade val="50000"/>
-              </a:schemeClr>
-            </a:lnRef>
-            <a:fillRef idx="1">
-              <a:schemeClr val="accent1"/>
-            </a:fillRef>
-            <a:effectRef idx="0">
-              <a:schemeClr val="accent1"/>
-            </a:effectRef>
-            <a:fontRef idx="minor">
-              <a:schemeClr val="lt1"/>
-            </a:fontRef>
-          </p:style>
-          <p:txBody>
-            <a:bodyPr rot="0" spcFirstLastPara="0" vertOverflow="overflow" horzOverflow="overflow" vert="horz" wrap="square" lIns="91440" tIns="45720" rIns="91440" bIns="45720" numCol="1" spcCol="0" rtlCol="0" fromWordArt="0" anchor="ctr" anchorCtr="0" forceAA="0" compatLnSpc="1">
-              <a:prstTxWarp prst="textNoShape">
-                <a:avLst/>
-              </a:prstTxWarp>
-              <a:noAutofit/>
-            </a:bodyPr>
-            <a:lstStyle/>
-            <a:p>
-              <a:pPr algn="ctr"/>
-              <a:endParaRPr lang="en-US"/>
-            </a:p>
-          </p:txBody>
-        </p:sp>
-      </p:grpSp>
       <p:sp>
         <p:nvSpPr>
           <p:cNvPr id="10" name="Document 9">
@@ -3709,7 +3529,7 @@
         </p:nvSpPr>
         <p:spPr>
           <a:xfrm>
-            <a:off x="2238730" y="2574889"/>
+            <a:off x="2524485" y="2574000"/>
             <a:ext cx="1891942" cy="1067072"/>
           </a:xfrm>
           <a:prstGeom prst="flowChartDocument">
@@ -3750,7 +3570,7 @@
           <a:lstStyle/>
           <a:p>
             <a:pPr algn="ctr"/>
-            <a:endParaRPr lang="en-US" sz="1600"/>
+            <a:endParaRPr lang="en-US" sz="1500"/>
           </a:p>
         </p:txBody>
       </p:sp>
@@ -3768,7 +3588,7 @@
         </p:nvSpPr>
         <p:spPr>
           <a:xfrm>
-            <a:off x="2238207" y="1790059"/>
+            <a:off x="2523962" y="1800000"/>
             <a:ext cx="1891942" cy="784830"/>
           </a:xfrm>
           <a:prstGeom prst="rect">
@@ -3791,7 +3611,7 @@
           <a:p>
             <a:r>
               <a:rPr lang="en-US" sz="1500" dirty="0"/>
-              <a:t>sum 0 5 = sum (0+5) 4</a:t>
+              <a:t>sum 0 2 = sum (0+2) 1</a:t>
             </a:r>
           </a:p>
           <a:p>
@@ -3822,7 +3642,7 @@
         </p:nvSpPr>
         <p:spPr>
           <a:xfrm>
-            <a:off x="4195286" y="2574889"/>
+            <a:off x="4481041" y="2574000"/>
             <a:ext cx="1891942" cy="1067072"/>
           </a:xfrm>
           <a:prstGeom prst="flowChartDocument">
@@ -3863,7 +3683,7 @@
           <a:lstStyle/>
           <a:p>
             <a:pPr algn="ctr"/>
-            <a:endParaRPr lang="en-US" sz="1600"/>
+            <a:endParaRPr lang="en-US" sz="1500"/>
           </a:p>
         </p:txBody>
       </p:sp>
@@ -3881,7 +3701,7 @@
         </p:nvSpPr>
         <p:spPr>
           <a:xfrm>
-            <a:off x="4195544" y="1790059"/>
+            <a:off x="4481299" y="1800000"/>
             <a:ext cx="1891942" cy="784830"/>
           </a:xfrm>
           <a:prstGeom prst="rect">
@@ -3904,7 +3724,7 @@
           <a:p>
             <a:r>
               <a:rPr lang="en-US" sz="1500" dirty="0"/>
-              <a:t>sum 0 5 = sum (0+5) 4</a:t>
+              <a:t>sum 0 2 = sum (0+2) 1</a:t>
             </a:r>
           </a:p>
           <a:p>
@@ -3935,7 +3755,7 @@
         </p:nvSpPr>
         <p:spPr>
           <a:xfrm>
-            <a:off x="2233414" y="1005892"/>
+            <a:off x="2524955" y="1015200"/>
             <a:ext cx="1891942" cy="784830"/>
           </a:xfrm>
           <a:prstGeom prst="rect">
@@ -3958,7 +3778,7 @@
           <a:p>
             <a:r>
               <a:rPr lang="en-US" sz="1500" dirty="0"/>
-              <a:t>sum 5 4 = sum (5+4) 3</a:t>
+              <a:t>sum 2 1 = sum (2+1) 0</a:t>
             </a:r>
           </a:p>
           <a:p>
@@ -3989,7 +3809,7 @@
         </p:nvSpPr>
         <p:spPr>
           <a:xfrm>
-            <a:off x="4195286" y="1008034"/>
+            <a:off x="4481041" y="1015200"/>
             <a:ext cx="1891942" cy="784830"/>
           </a:xfrm>
           <a:prstGeom prst="rect">
@@ -4043,7 +3863,7 @@
         </p:nvSpPr>
         <p:spPr>
           <a:xfrm>
-            <a:off x="4189839" y="229688"/>
+            <a:off x="4479755" y="229688"/>
             <a:ext cx="1891942" cy="784830"/>
           </a:xfrm>
           <a:prstGeom prst="rect">
@@ -4066,7 +3886,7 @@
           <a:p>
             <a:r>
               <a:rPr lang="en-US" sz="1500" dirty="0"/>
-              <a:t>sum 9 3 = sum (9+3) 2</a:t>
+              <a:t>sum 3 0 = 3</a:t>
             </a:r>
           </a:p>
           <a:p>
@@ -4085,10 +3905,10 @@
       </p:sp>
       <p:sp>
         <p:nvSpPr>
-          <p:cNvPr id="22" name="Document 21">
+          <p:cNvPr id="29" name="Document 28">
             <a:extLst>
               <a:ext uri="{FF2B5EF4-FFF2-40B4-BE49-F238E27FC236}">
-                <a16:creationId xmlns:a16="http://schemas.microsoft.com/office/drawing/2014/main" id="{8B6F290D-4DB7-DFD1-FEED-ABF5C00259A4}"/>
+                <a16:creationId xmlns:a16="http://schemas.microsoft.com/office/drawing/2014/main" id="{B527F5BF-CA60-FF31-99B0-0A4F4E68ABCA}"/>
               </a:ext>
             </a:extLst>
           </p:cNvPr>
@@ -4097,7 +3917,7 @@
         </p:nvSpPr>
         <p:spPr>
           <a:xfrm>
-            <a:off x="6526078" y="2574889"/>
+            <a:off x="6443694" y="2574000"/>
             <a:ext cx="1891942" cy="1067072"/>
           </a:xfrm>
           <a:prstGeom prst="flowChartDocument">
@@ -4138,16 +3958,16 @@
           <a:lstStyle/>
           <a:p>
             <a:pPr algn="ctr"/>
-            <a:endParaRPr lang="en-US" sz="1600"/>
-          </a:p>
-        </p:txBody>
-      </p:sp>
-      <p:sp>
-        <p:nvSpPr>
-          <p:cNvPr id="23" name="TextBox 22">
+            <a:endParaRPr lang="en-US" sz="1500"/>
+          </a:p>
+        </p:txBody>
+      </p:sp>
+      <p:sp>
+        <p:nvSpPr>
+          <p:cNvPr id="30" name="TextBox 29">
             <a:extLst>
               <a:ext uri="{FF2B5EF4-FFF2-40B4-BE49-F238E27FC236}">
-                <a16:creationId xmlns:a16="http://schemas.microsoft.com/office/drawing/2014/main" id="{5681FBCC-0A60-DB8E-D8EC-18B6E69BF2EF}"/>
+                <a16:creationId xmlns:a16="http://schemas.microsoft.com/office/drawing/2014/main" id="{2E9E3F24-6A38-1A58-7B75-3822E65229B3}"/>
               </a:ext>
             </a:extLst>
           </p:cNvPr>
@@ -4156,7 +3976,7 @@
         </p:nvSpPr>
         <p:spPr>
           <a:xfrm>
-            <a:off x="6526336" y="1790059"/>
+            <a:off x="6445355" y="1800000"/>
             <a:ext cx="1891942" cy="784830"/>
           </a:xfrm>
           <a:prstGeom prst="rect">
@@ -4179,7 +3999,7 @@
           <a:p>
             <a:r>
               <a:rPr lang="en-US" sz="1500" dirty="0"/>
-              <a:t>sum 0 5 = sum (0+5) 4</a:t>
+              <a:t>sum 0 2 = sum (0+2) 1</a:t>
             </a:r>
           </a:p>
           <a:p>
@@ -4198,10 +4018,10 @@
       </p:sp>
       <p:sp>
         <p:nvSpPr>
-          <p:cNvPr id="24" name="TextBox 23">
+          <p:cNvPr id="31" name="TextBox 30">
             <a:extLst>
               <a:ext uri="{FF2B5EF4-FFF2-40B4-BE49-F238E27FC236}">
-                <a16:creationId xmlns:a16="http://schemas.microsoft.com/office/drawing/2014/main" id="{39AE5E12-B65A-8CE0-2AE7-1206FBCB67BE}"/>
+                <a16:creationId xmlns:a16="http://schemas.microsoft.com/office/drawing/2014/main" id="{B7FD2C40-78D1-EF06-C2AB-7F175464A198}"/>
               </a:ext>
             </a:extLst>
           </p:cNvPr>
@@ -4210,7 +4030,7 @@
         </p:nvSpPr>
         <p:spPr>
           <a:xfrm>
-            <a:off x="6526078" y="1008034"/>
+            <a:off x="6445355" y="1015200"/>
             <a:ext cx="1891942" cy="784830"/>
           </a:xfrm>
           <a:prstGeom prst="rect">
@@ -4233,7 +4053,7 @@
           <a:p>
             <a:r>
               <a:rPr lang="en-US" sz="1500" dirty="0"/>
-              <a:t>sum 5 4 = sum (5+4) 3</a:t>
+              <a:t>sum 5 4 = 3</a:t>
             </a:r>
           </a:p>
           <a:p>
@@ -4252,64 +4072,10 @@
       </p:sp>
       <p:sp>
         <p:nvSpPr>
-          <p:cNvPr id="27" name="TextBox 26">
+          <p:cNvPr id="32" name="Document 31">
             <a:extLst>
               <a:ext uri="{FF2B5EF4-FFF2-40B4-BE49-F238E27FC236}">
-                <a16:creationId xmlns:a16="http://schemas.microsoft.com/office/drawing/2014/main" id="{6BFD9D8A-F02A-6031-18F5-841D7D7CCAEC}"/>
-              </a:ext>
-            </a:extLst>
-          </p:cNvPr>
-          <p:cNvSpPr txBox="1"/>
-          <p:nvPr/>
-        </p:nvSpPr>
-        <p:spPr>
-          <a:xfrm>
-            <a:off x="6520631" y="229688"/>
-            <a:ext cx="1891942" cy="784830"/>
-          </a:xfrm>
-          <a:prstGeom prst="rect">
-            <a:avLst/>
-          </a:prstGeom>
-          <a:solidFill>
-            <a:srgbClr val="F2F2F2"/>
-          </a:solidFill>
-          <a:ln>
-            <a:solidFill>
-              <a:schemeClr val="tx1"/>
-            </a:solidFill>
-          </a:ln>
-        </p:spPr>
-        <p:txBody>
-          <a:bodyPr wrap="square" rtlCol="0">
-            <a:spAutoFit/>
-          </a:bodyPr>
-          <a:lstStyle/>
-          <a:p>
-            <a:r>
-              <a:rPr lang="en-US" sz="1500" dirty="0"/>
-              <a:t>sum 9 3 = 15</a:t>
-            </a:r>
-          </a:p>
-          <a:p>
-            <a:r>
-              <a:rPr lang="en-US" sz="1500" dirty="0"/>
-              <a:t>Local storage, </a:t>
-            </a:r>
-          </a:p>
-          <a:p>
-            <a:r>
-              <a:rPr lang="en-US" sz="1500" dirty="0"/>
-              <a:t>return address</a:t>
-            </a:r>
-          </a:p>
-        </p:txBody>
-      </p:sp>
-      <p:sp>
-        <p:nvSpPr>
-          <p:cNvPr id="29" name="Document 28">
-            <a:extLst>
-              <a:ext uri="{FF2B5EF4-FFF2-40B4-BE49-F238E27FC236}">
-                <a16:creationId xmlns:a16="http://schemas.microsoft.com/office/drawing/2014/main" id="{B527F5BF-CA60-FF31-99B0-0A4F4E68ABCA}"/>
+                <a16:creationId xmlns:a16="http://schemas.microsoft.com/office/drawing/2014/main" id="{D1E16683-AC4A-F950-C0B8-91E3C7086FDA}"/>
               </a:ext>
             </a:extLst>
           </p:cNvPr>
@@ -4318,7 +4084,7 @@
         </p:nvSpPr>
         <p:spPr>
           <a:xfrm>
-            <a:off x="8487974" y="2574889"/>
+            <a:off x="8430630" y="2574000"/>
             <a:ext cx="1891942" cy="1067072"/>
           </a:xfrm>
           <a:prstGeom prst="flowChartDocument">
@@ -4359,16 +4125,16 @@
           <a:lstStyle/>
           <a:p>
             <a:pPr algn="ctr"/>
-            <a:endParaRPr lang="en-US" sz="1600"/>
-          </a:p>
-        </p:txBody>
-      </p:sp>
-      <p:sp>
-        <p:nvSpPr>
-          <p:cNvPr id="30" name="TextBox 29">
+            <a:endParaRPr lang="en-US" sz="1500"/>
+          </a:p>
+        </p:txBody>
+      </p:sp>
+      <p:sp>
+        <p:nvSpPr>
+          <p:cNvPr id="33" name="TextBox 32">
             <a:extLst>
               <a:ext uri="{FF2B5EF4-FFF2-40B4-BE49-F238E27FC236}">
-                <a16:creationId xmlns:a16="http://schemas.microsoft.com/office/drawing/2014/main" id="{2E9E3F24-6A38-1A58-7B75-3822E65229B3}"/>
+                <a16:creationId xmlns:a16="http://schemas.microsoft.com/office/drawing/2014/main" id="{BD9CD2E2-E173-2944-C785-F3DD733D79AB}"/>
               </a:ext>
             </a:extLst>
           </p:cNvPr>
@@ -4377,7 +4143,7 @@
         </p:nvSpPr>
         <p:spPr>
           <a:xfrm>
-            <a:off x="8487451" y="1790059"/>
+            <a:off x="8428955" y="1800000"/>
             <a:ext cx="1891942" cy="784830"/>
           </a:xfrm>
           <a:prstGeom prst="rect">
@@ -4400,174 +4166,7 @@
           <a:p>
             <a:r>
               <a:rPr lang="en-US" sz="1500" dirty="0"/>
-              <a:t>sum 0 5 = sum (0+5) 4</a:t>
-            </a:r>
-          </a:p>
-          <a:p>
-            <a:r>
-              <a:rPr lang="en-US" sz="1500" dirty="0"/>
-              <a:t>Local storage, </a:t>
-            </a:r>
-          </a:p>
-          <a:p>
-            <a:r>
-              <a:rPr lang="en-US" sz="1500" dirty="0"/>
-              <a:t>return address</a:t>
-            </a:r>
-          </a:p>
-        </p:txBody>
-      </p:sp>
-      <p:sp>
-        <p:nvSpPr>
-          <p:cNvPr id="31" name="TextBox 30">
-            <a:extLst>
-              <a:ext uri="{FF2B5EF4-FFF2-40B4-BE49-F238E27FC236}">
-                <a16:creationId xmlns:a16="http://schemas.microsoft.com/office/drawing/2014/main" id="{B7FD2C40-78D1-EF06-C2AB-7F175464A198}"/>
-              </a:ext>
-            </a:extLst>
-          </p:cNvPr>
-          <p:cNvSpPr txBox="1"/>
-          <p:nvPr/>
-        </p:nvSpPr>
-        <p:spPr>
-          <a:xfrm>
-            <a:off x="8482658" y="1005892"/>
-            <a:ext cx="1891942" cy="784830"/>
-          </a:xfrm>
-          <a:prstGeom prst="rect">
-            <a:avLst/>
-          </a:prstGeom>
-          <a:solidFill>
-            <a:srgbClr val="F2F2F2"/>
-          </a:solidFill>
-          <a:ln>
-            <a:solidFill>
-              <a:schemeClr val="tx1"/>
-            </a:solidFill>
-          </a:ln>
-        </p:spPr>
-        <p:txBody>
-          <a:bodyPr wrap="square" rtlCol="0">
-            <a:spAutoFit/>
-          </a:bodyPr>
-          <a:lstStyle/>
-          <a:p>
-            <a:r>
-              <a:rPr lang="en-US" sz="1500" dirty="0"/>
-              <a:t>sum 5 4 = 15</a:t>
-            </a:r>
-          </a:p>
-          <a:p>
-            <a:r>
-              <a:rPr lang="en-US" sz="1500" dirty="0"/>
-              <a:t>Local storage, </a:t>
-            </a:r>
-          </a:p>
-          <a:p>
-            <a:r>
-              <a:rPr lang="en-US" sz="1500" dirty="0"/>
-              <a:t>return address</a:t>
-            </a:r>
-          </a:p>
-        </p:txBody>
-      </p:sp>
-      <p:sp>
-        <p:nvSpPr>
-          <p:cNvPr id="32" name="Document 31">
-            <a:extLst>
-              <a:ext uri="{FF2B5EF4-FFF2-40B4-BE49-F238E27FC236}">
-                <a16:creationId xmlns:a16="http://schemas.microsoft.com/office/drawing/2014/main" id="{D1E16683-AC4A-F950-C0B8-91E3C7086FDA}"/>
-              </a:ext>
-            </a:extLst>
-          </p:cNvPr>
-          <p:cNvSpPr/>
-          <p:nvPr/>
-        </p:nvSpPr>
-        <p:spPr>
-          <a:xfrm>
-            <a:off x="10474910" y="2574889"/>
-            <a:ext cx="1891942" cy="1067072"/>
-          </a:xfrm>
-          <a:prstGeom prst="flowChartDocument">
-            <a:avLst/>
-          </a:prstGeom>
-          <a:solidFill>
-            <a:srgbClr val="F2F2F2"/>
-          </a:solidFill>
-          <a:ln>
-            <a:solidFill>
-              <a:schemeClr val="tx1"/>
-            </a:solidFill>
-          </a:ln>
-        </p:spPr>
-        <p:style>
-          <a:lnRef idx="2">
-            <a:schemeClr val="accent1">
-              <a:shade val="50000"/>
-            </a:schemeClr>
-          </a:lnRef>
-          <a:fillRef idx="1">
-            <a:schemeClr val="accent1"/>
-          </a:fillRef>
-          <a:effectRef idx="0">
-            <a:schemeClr val="accent1"/>
-          </a:effectRef>
-          <a:fontRef idx="minor">
-            <a:schemeClr val="lt1"/>
-          </a:fontRef>
-        </p:style>
-        <p:txBody>
-          <a:bodyPr rot="0" spcFirstLastPara="0" vertOverflow="overflow" horzOverflow="overflow" vert="horz" wrap="square" lIns="91440" tIns="45720" rIns="91440" bIns="45720" numCol="1" spcCol="0" rtlCol="0" fromWordArt="0" anchor="ctr" anchorCtr="0" forceAA="0" compatLnSpc="1">
-            <a:prstTxWarp prst="textNoShape">
-              <a:avLst/>
-            </a:prstTxWarp>
-            <a:noAutofit/>
-          </a:bodyPr>
-          <a:lstStyle/>
-          <a:p>
-            <a:pPr algn="ctr"/>
-            <a:endParaRPr lang="en-US" sz="1600"/>
-          </a:p>
-        </p:txBody>
-      </p:sp>
-      <p:sp>
-        <p:nvSpPr>
-          <p:cNvPr id="33" name="TextBox 32">
-            <a:extLst>
-              <a:ext uri="{FF2B5EF4-FFF2-40B4-BE49-F238E27FC236}">
-                <a16:creationId xmlns:a16="http://schemas.microsoft.com/office/drawing/2014/main" id="{BD9CD2E2-E173-2944-C785-F3DD733D79AB}"/>
-              </a:ext>
-            </a:extLst>
-          </p:cNvPr>
-          <p:cNvSpPr txBox="1"/>
-          <p:nvPr/>
-        </p:nvSpPr>
-        <p:spPr>
-          <a:xfrm>
-            <a:off x="10475168" y="1790059"/>
-            <a:ext cx="1891942" cy="784830"/>
-          </a:xfrm>
-          <a:prstGeom prst="rect">
-            <a:avLst/>
-          </a:prstGeom>
-          <a:solidFill>
-            <a:srgbClr val="F2F2F2"/>
-          </a:solidFill>
-          <a:ln>
-            <a:solidFill>
-              <a:schemeClr val="tx1"/>
-            </a:solidFill>
-          </a:ln>
-        </p:spPr>
-        <p:txBody>
-          <a:bodyPr wrap="square" rtlCol="0">
-            <a:spAutoFit/>
-          </a:bodyPr>
-          <a:lstStyle/>
-          <a:p>
-            <a:r>
-              <a:rPr lang="en-US" sz="1500" dirty="0"/>
-              <a:t>sum 0 5 = 15</a:t>
+              <a:t>sum 0 2 = 3</a:t>
             </a:r>
           </a:p>
           <a:p>
